--- a/Vectorization Solution.pptx
+++ b/Vectorization Solution.pptx
@@ -47,10 +47,9 @@
     <p:sldId id="294" r:id="rId41"/>
     <p:sldId id="297" r:id="rId42"/>
     <p:sldId id="303" r:id="rId43"/>
-    <p:sldId id="302" r:id="rId44"/>
-    <p:sldId id="296" r:id="rId45"/>
-    <p:sldId id="300" r:id="rId46"/>
-    <p:sldId id="299" r:id="rId47"/>
+    <p:sldId id="296" r:id="rId44"/>
+    <p:sldId id="300" r:id="rId45"/>
+    <p:sldId id="299" r:id="rId46"/>
   </p:sldIdLst>
   <p:sldSz cx="12192000" cy="6858000"/>
   <p:notesSz cx="6858000" cy="9144000"/>
@@ -149,6 +148,11 @@
       </a:defRPr>
     </a:lvl9pPr>
   </p:defaultTextStyle>
+  <p:extLst>
+    <p:ext uri="{EFAFB233-063F-42B5-8137-9DF3F51BA10A}">
+      <p15:sldGuideLst xmlns:p15="http://schemas.microsoft.com/office/powerpoint/2012/main"/>
+    </p:ext>
+  </p:extLst>
 </p:presentation>
 </file>
 
@@ -887,7 +891,7 @@
           <a:p>
             <a:fld id="{739D75B5-C44E-4540-AE8F-8EDBFB7AE1FF}" type="datetimeFigureOut">
               <a:rPr lang="zh-CN" altLang="en-US" smtClean="0"/>
-              <a:t>2025/1/6</a:t>
+              <a:t>2025/5/13</a:t>
             </a:fld>
             <a:endParaRPr lang="zh-CN" altLang="en-US"/>
           </a:p>
@@ -1085,7 +1089,7 @@
           <a:p>
             <a:fld id="{739D75B5-C44E-4540-AE8F-8EDBFB7AE1FF}" type="datetimeFigureOut">
               <a:rPr lang="zh-CN" altLang="en-US" smtClean="0"/>
-              <a:t>2025/1/6</a:t>
+              <a:t>2025/5/13</a:t>
             </a:fld>
             <a:endParaRPr lang="zh-CN" altLang="en-US"/>
           </a:p>
@@ -1293,7 +1297,7 @@
           <a:p>
             <a:fld id="{739D75B5-C44E-4540-AE8F-8EDBFB7AE1FF}" type="datetimeFigureOut">
               <a:rPr lang="zh-CN" altLang="en-US" smtClean="0"/>
-              <a:t>2025/1/6</a:t>
+              <a:t>2025/5/13</a:t>
             </a:fld>
             <a:endParaRPr lang="zh-CN" altLang="en-US"/>
           </a:p>
@@ -1491,7 +1495,7 @@
           <a:p>
             <a:fld id="{739D75B5-C44E-4540-AE8F-8EDBFB7AE1FF}" type="datetimeFigureOut">
               <a:rPr lang="zh-CN" altLang="en-US" smtClean="0"/>
-              <a:t>2025/1/6</a:t>
+              <a:t>2025/5/13</a:t>
             </a:fld>
             <a:endParaRPr lang="zh-CN" altLang="en-US"/>
           </a:p>
@@ -1766,7 +1770,7 @@
           <a:p>
             <a:fld id="{739D75B5-C44E-4540-AE8F-8EDBFB7AE1FF}" type="datetimeFigureOut">
               <a:rPr lang="zh-CN" altLang="en-US" smtClean="0"/>
-              <a:t>2025/1/6</a:t>
+              <a:t>2025/5/13</a:t>
             </a:fld>
             <a:endParaRPr lang="zh-CN" altLang="en-US"/>
           </a:p>
@@ -2031,7 +2035,7 @@
           <a:p>
             <a:fld id="{739D75B5-C44E-4540-AE8F-8EDBFB7AE1FF}" type="datetimeFigureOut">
               <a:rPr lang="zh-CN" altLang="en-US" smtClean="0"/>
-              <a:t>2025/1/6</a:t>
+              <a:t>2025/5/13</a:t>
             </a:fld>
             <a:endParaRPr lang="zh-CN" altLang="en-US"/>
           </a:p>
@@ -2443,7 +2447,7 @@
           <a:p>
             <a:fld id="{739D75B5-C44E-4540-AE8F-8EDBFB7AE1FF}" type="datetimeFigureOut">
               <a:rPr lang="zh-CN" altLang="en-US" smtClean="0"/>
-              <a:t>2025/1/6</a:t>
+              <a:t>2025/5/13</a:t>
             </a:fld>
             <a:endParaRPr lang="zh-CN" altLang="en-US"/>
           </a:p>
@@ -2584,7 +2588,7 @@
           <a:p>
             <a:fld id="{739D75B5-C44E-4540-AE8F-8EDBFB7AE1FF}" type="datetimeFigureOut">
               <a:rPr lang="zh-CN" altLang="en-US" smtClean="0"/>
-              <a:t>2025/1/6</a:t>
+              <a:t>2025/5/13</a:t>
             </a:fld>
             <a:endParaRPr lang="zh-CN" altLang="en-US"/>
           </a:p>
@@ -2697,7 +2701,7 @@
           <a:p>
             <a:fld id="{739D75B5-C44E-4540-AE8F-8EDBFB7AE1FF}" type="datetimeFigureOut">
               <a:rPr lang="zh-CN" altLang="en-US" smtClean="0"/>
-              <a:t>2025/1/6</a:t>
+              <a:t>2025/5/13</a:t>
             </a:fld>
             <a:endParaRPr lang="zh-CN" altLang="en-US"/>
           </a:p>
@@ -3008,7 +3012,7 @@
           <a:p>
             <a:fld id="{739D75B5-C44E-4540-AE8F-8EDBFB7AE1FF}" type="datetimeFigureOut">
               <a:rPr lang="zh-CN" altLang="en-US" smtClean="0"/>
-              <a:t>2025/1/6</a:t>
+              <a:t>2025/5/13</a:t>
             </a:fld>
             <a:endParaRPr lang="zh-CN" altLang="en-US"/>
           </a:p>
@@ -3296,7 +3300,7 @@
           <a:p>
             <a:fld id="{739D75B5-C44E-4540-AE8F-8EDBFB7AE1FF}" type="datetimeFigureOut">
               <a:rPr lang="zh-CN" altLang="en-US" smtClean="0"/>
-              <a:t>2025/1/6</a:t>
+              <a:t>2025/5/13</a:t>
             </a:fld>
             <a:endParaRPr lang="zh-CN" altLang="en-US"/>
           </a:p>
@@ -3537,7 +3541,7 @@
           <a:p>
             <a:fld id="{739D75B5-C44E-4540-AE8F-8EDBFB7AE1FF}" type="datetimeFigureOut">
               <a:rPr lang="zh-CN" altLang="en-US" smtClean="0"/>
-              <a:t>2025/1/6</a:t>
+              <a:t>2025/5/13</a:t>
             </a:fld>
             <a:endParaRPr lang="zh-CN" altLang="en-US"/>
           </a:p>
@@ -4150,8 +4154,8 @@
           </a:p>
         </p:txBody>
       </p:sp>
-      <mc:AlternateContent xmlns:mc="http://schemas.openxmlformats.org/markup-compatibility/2006">
-        <mc:Choice xmlns:p14="http://schemas.microsoft.com/office/powerpoint/2010/main" Requires="p14">
+      <mc:AlternateContent xmlns:mc="http://schemas.openxmlformats.org/markup-compatibility/2006" xmlns:p14="http://schemas.microsoft.com/office/powerpoint/2010/main">
+        <mc:Choice Requires="p14">
           <p:contentPart p14:bwMode="auto" r:id="rId2">
             <p14:nvContentPartPr>
               <p14:cNvPr id="5" name="墨迹 4">
@@ -4170,7 +4174,7 @@
             </p14:xfrm>
           </p:contentPart>
         </mc:Choice>
-        <mc:Fallback>
+        <mc:Fallback xmlns="">
           <p:pic>
             <p:nvPicPr>
               <p:cNvPr id="5" name="墨迹 4">
@@ -4435,8 +4439,8 @@
           </a:p>
         </p:txBody>
       </p:sp>
-      <mc:AlternateContent xmlns:mc="http://schemas.openxmlformats.org/markup-compatibility/2006">
-        <mc:Choice xmlns:p14="http://schemas.microsoft.com/office/powerpoint/2010/main" Requires="p14">
+      <mc:AlternateContent xmlns:mc="http://schemas.openxmlformats.org/markup-compatibility/2006" xmlns:p14="http://schemas.microsoft.com/office/powerpoint/2010/main">
+        <mc:Choice Requires="p14">
           <p:contentPart p14:bwMode="auto" r:id="rId2">
             <p14:nvContentPartPr>
               <p14:cNvPr id="5" name="墨迹 4">
@@ -4455,7 +4459,7 @@
             </p14:xfrm>
           </p:contentPart>
         </mc:Choice>
-        <mc:Fallback>
+        <mc:Fallback xmlns="">
           <p:pic>
             <p:nvPicPr>
               <p:cNvPr id="5" name="墨迹 4">
@@ -4637,8 +4641,8 @@
           </a:p>
         </p:txBody>
       </p:sp>
-      <mc:AlternateContent xmlns:mc="http://schemas.openxmlformats.org/markup-compatibility/2006">
-        <mc:Choice xmlns:p14="http://schemas.microsoft.com/office/powerpoint/2010/main" Requires="p14">
+      <mc:AlternateContent xmlns:mc="http://schemas.openxmlformats.org/markup-compatibility/2006" xmlns:p14="http://schemas.microsoft.com/office/powerpoint/2010/main">
+        <mc:Choice Requires="p14">
           <p:contentPart p14:bwMode="auto" r:id="rId2">
             <p14:nvContentPartPr>
               <p14:cNvPr id="5" name="墨迹 4">
@@ -4657,7 +4661,7 @@
             </p14:xfrm>
           </p:contentPart>
         </mc:Choice>
-        <mc:Fallback>
+        <mc:Fallback xmlns="">
           <p:pic>
             <p:nvPicPr>
               <p:cNvPr id="5" name="墨迹 4">
@@ -4888,8 +4892,8 @@
           </a:p>
         </p:txBody>
       </p:sp>
-      <mc:AlternateContent xmlns:mc="http://schemas.openxmlformats.org/markup-compatibility/2006">
-        <mc:Choice xmlns:p14="http://schemas.microsoft.com/office/powerpoint/2010/main" Requires="p14">
+      <mc:AlternateContent xmlns:mc="http://schemas.openxmlformats.org/markup-compatibility/2006" xmlns:p14="http://schemas.microsoft.com/office/powerpoint/2010/main">
+        <mc:Choice Requires="p14">
           <p:contentPart p14:bwMode="auto" r:id="rId2">
             <p14:nvContentPartPr>
               <p14:cNvPr id="5" name="墨迹 4">
@@ -4908,7 +4912,7 @@
             </p14:xfrm>
           </p:contentPart>
         </mc:Choice>
-        <mc:Fallback>
+        <mc:Fallback xmlns="">
           <p:pic>
             <p:nvPicPr>
               <p:cNvPr id="5" name="墨迹 4">
@@ -5187,8 +5191,8 @@
           </a:p>
         </p:txBody>
       </p:sp>
-      <mc:AlternateContent xmlns:mc="http://schemas.openxmlformats.org/markup-compatibility/2006">
-        <mc:Choice xmlns:p14="http://schemas.microsoft.com/office/powerpoint/2010/main" Requires="p14">
+      <mc:AlternateContent xmlns:mc="http://schemas.openxmlformats.org/markup-compatibility/2006" xmlns:p14="http://schemas.microsoft.com/office/powerpoint/2010/main">
+        <mc:Choice Requires="p14">
           <p:contentPart p14:bwMode="auto" r:id="rId2">
             <p14:nvContentPartPr>
               <p14:cNvPr id="5" name="墨迹 4">
@@ -5207,7 +5211,7 @@
             </p14:xfrm>
           </p:contentPart>
         </mc:Choice>
-        <mc:Fallback>
+        <mc:Fallback xmlns="">
           <p:pic>
             <p:nvPicPr>
               <p:cNvPr id="5" name="墨迹 4">
@@ -5320,8 +5324,8 @@
           </a:p>
         </p:txBody>
       </p:sp>
-      <mc:AlternateContent xmlns:mc="http://schemas.openxmlformats.org/markup-compatibility/2006">
-        <mc:Choice xmlns:p14="http://schemas.microsoft.com/office/powerpoint/2010/main" Requires="p14">
+      <mc:AlternateContent xmlns:mc="http://schemas.openxmlformats.org/markup-compatibility/2006" xmlns:p14="http://schemas.microsoft.com/office/powerpoint/2010/main">
+        <mc:Choice Requires="p14">
           <p:contentPart p14:bwMode="auto" r:id="rId2">
             <p14:nvContentPartPr>
               <p14:cNvPr id="5" name="墨迹 4">
@@ -5340,7 +5344,7 @@
             </p14:xfrm>
           </p:contentPart>
         </mc:Choice>
-        <mc:Fallback>
+        <mc:Fallback xmlns="">
           <p:pic>
             <p:nvPicPr>
               <p:cNvPr id="5" name="墨迹 4">
@@ -5508,8 +5512,8 @@
           </a:p>
         </p:txBody>
       </p:sp>
-      <mc:AlternateContent xmlns:mc="http://schemas.openxmlformats.org/markup-compatibility/2006">
-        <mc:Choice xmlns:p14="http://schemas.microsoft.com/office/powerpoint/2010/main" Requires="p14">
+      <mc:AlternateContent xmlns:mc="http://schemas.openxmlformats.org/markup-compatibility/2006" xmlns:p14="http://schemas.microsoft.com/office/powerpoint/2010/main">
+        <mc:Choice Requires="p14">
           <p:contentPart p14:bwMode="auto" r:id="rId2">
             <p14:nvContentPartPr>
               <p14:cNvPr id="5" name="墨迹 4">
@@ -5528,7 +5532,7 @@
             </p14:xfrm>
           </p:contentPart>
         </mc:Choice>
-        <mc:Fallback>
+        <mc:Fallback xmlns="">
           <p:pic>
             <p:nvPicPr>
               <p:cNvPr id="5" name="墨迹 4">
@@ -6060,8 +6064,8 @@
           </a:p>
         </p:txBody>
       </p:sp>
-      <mc:AlternateContent xmlns:mc="http://schemas.openxmlformats.org/markup-compatibility/2006">
-        <mc:Choice xmlns:p14="http://schemas.microsoft.com/office/powerpoint/2010/main" Requires="p14">
+      <mc:AlternateContent xmlns:mc="http://schemas.openxmlformats.org/markup-compatibility/2006" xmlns:p14="http://schemas.microsoft.com/office/powerpoint/2010/main">
+        <mc:Choice Requires="p14">
           <p:contentPart p14:bwMode="auto" r:id="rId2">
             <p14:nvContentPartPr>
               <p14:cNvPr id="5" name="墨迹 4">
@@ -6080,7 +6084,7 @@
             </p14:xfrm>
           </p:contentPart>
         </mc:Choice>
-        <mc:Fallback>
+        <mc:Fallback xmlns="">
           <p:pic>
             <p:nvPicPr>
               <p:cNvPr id="5" name="墨迹 4">
@@ -6671,8 +6675,8 @@
           </a:p>
         </p:txBody>
       </p:sp>
-      <mc:AlternateContent xmlns:mc="http://schemas.openxmlformats.org/markup-compatibility/2006">
-        <mc:Choice xmlns:p14="http://schemas.microsoft.com/office/powerpoint/2010/main" Requires="p14">
+      <mc:AlternateContent xmlns:mc="http://schemas.openxmlformats.org/markup-compatibility/2006" xmlns:p14="http://schemas.microsoft.com/office/powerpoint/2010/main">
+        <mc:Choice Requires="p14">
           <p:contentPart p14:bwMode="auto" r:id="rId2">
             <p14:nvContentPartPr>
               <p14:cNvPr id="5" name="墨迹 4">
@@ -6691,7 +6695,7 @@
             </p14:xfrm>
           </p:contentPart>
         </mc:Choice>
-        <mc:Fallback>
+        <mc:Fallback xmlns="">
           <p:pic>
             <p:nvPicPr>
               <p:cNvPr id="5" name="墨迹 4">
@@ -7380,8 +7384,8 @@
           </a:p>
         </p:txBody>
       </p:sp>
-      <mc:AlternateContent xmlns:mc="http://schemas.openxmlformats.org/markup-compatibility/2006">
-        <mc:Choice xmlns:p14="http://schemas.microsoft.com/office/powerpoint/2010/main" Requires="p14">
+      <mc:AlternateContent xmlns:mc="http://schemas.openxmlformats.org/markup-compatibility/2006" xmlns:p14="http://schemas.microsoft.com/office/powerpoint/2010/main">
+        <mc:Choice Requires="p14">
           <p:contentPart p14:bwMode="auto" r:id="rId2">
             <p14:nvContentPartPr>
               <p14:cNvPr id="5" name="墨迹 4">
@@ -7400,7 +7404,7 @@
             </p14:xfrm>
           </p:contentPart>
         </mc:Choice>
-        <mc:Fallback>
+        <mc:Fallback xmlns="">
           <p:pic>
             <p:nvPicPr>
               <p:cNvPr id="5" name="墨迹 4">
@@ -8178,8 +8182,8 @@
           </a:p>
         </p:txBody>
       </p:sp>
-      <mc:AlternateContent xmlns:mc="http://schemas.openxmlformats.org/markup-compatibility/2006">
-        <mc:Choice xmlns:p14="http://schemas.microsoft.com/office/powerpoint/2010/main" Requires="p14">
+      <mc:AlternateContent xmlns:mc="http://schemas.openxmlformats.org/markup-compatibility/2006" xmlns:p14="http://schemas.microsoft.com/office/powerpoint/2010/main">
+        <mc:Choice Requires="p14">
           <p:contentPart p14:bwMode="auto" r:id="rId2">
             <p14:nvContentPartPr>
               <p14:cNvPr id="5" name="墨迹 4">
@@ -8198,7 +8202,7 @@
             </p14:xfrm>
           </p:contentPart>
         </mc:Choice>
-        <mc:Fallback>
+        <mc:Fallback xmlns="">
           <p:pic>
             <p:nvPicPr>
               <p:cNvPr id="5" name="墨迹 4">
@@ -8992,8 +8996,8 @@
           </a:p>
         </p:txBody>
       </p:sp>
-      <mc:AlternateContent xmlns:mc="http://schemas.openxmlformats.org/markup-compatibility/2006">
-        <mc:Choice xmlns:p14="http://schemas.microsoft.com/office/powerpoint/2010/main" Requires="p14">
+      <mc:AlternateContent xmlns:mc="http://schemas.openxmlformats.org/markup-compatibility/2006" xmlns:p14="http://schemas.microsoft.com/office/powerpoint/2010/main">
+        <mc:Choice Requires="p14">
           <p:contentPart p14:bwMode="auto" r:id="rId2">
             <p14:nvContentPartPr>
               <p14:cNvPr id="5" name="墨迹 4">
@@ -9012,7 +9016,7 @@
             </p14:xfrm>
           </p:contentPart>
         </mc:Choice>
-        <mc:Fallback>
+        <mc:Fallback xmlns="">
           <p:pic>
             <p:nvPicPr>
               <p:cNvPr id="5" name="墨迹 4">
@@ -9794,8 +9798,8 @@
           </a:p>
         </p:txBody>
       </p:sp>
-      <mc:AlternateContent xmlns:mc="http://schemas.openxmlformats.org/markup-compatibility/2006">
-        <mc:Choice xmlns:p14="http://schemas.microsoft.com/office/powerpoint/2010/main" Requires="p14">
+      <mc:AlternateContent xmlns:mc="http://schemas.openxmlformats.org/markup-compatibility/2006" xmlns:p14="http://schemas.microsoft.com/office/powerpoint/2010/main">
+        <mc:Choice Requires="p14">
           <p:contentPart p14:bwMode="auto" r:id="rId2">
             <p14:nvContentPartPr>
               <p14:cNvPr id="5" name="墨迹 4">
@@ -9814,7 +9818,7 @@
             </p14:xfrm>
           </p:contentPart>
         </mc:Choice>
-        <mc:Fallback>
+        <mc:Fallback xmlns="">
           <p:pic>
             <p:nvPicPr>
               <p:cNvPr id="5" name="墨迹 4">
@@ -10596,8 +10600,8 @@
           </a:p>
         </p:txBody>
       </p:sp>
-      <mc:AlternateContent xmlns:mc="http://schemas.openxmlformats.org/markup-compatibility/2006">
-        <mc:Choice xmlns:p14="http://schemas.microsoft.com/office/powerpoint/2010/main" Requires="p14">
+      <mc:AlternateContent xmlns:mc="http://schemas.openxmlformats.org/markup-compatibility/2006" xmlns:p14="http://schemas.microsoft.com/office/powerpoint/2010/main">
+        <mc:Choice Requires="p14">
           <p:contentPart p14:bwMode="auto" r:id="rId2">
             <p14:nvContentPartPr>
               <p14:cNvPr id="5" name="墨迹 4">
@@ -10616,7 +10620,7 @@
             </p14:xfrm>
           </p:contentPart>
         </mc:Choice>
-        <mc:Fallback>
+        <mc:Fallback xmlns="">
           <p:pic>
             <p:nvPicPr>
               <p:cNvPr id="5" name="墨迹 4">
@@ -11483,8 +11487,8 @@
           </a:p>
         </p:txBody>
       </p:sp>
-      <mc:AlternateContent xmlns:mc="http://schemas.openxmlformats.org/markup-compatibility/2006">
-        <mc:Choice xmlns:p14="http://schemas.microsoft.com/office/powerpoint/2010/main" Requires="p14">
+      <mc:AlternateContent xmlns:mc="http://schemas.openxmlformats.org/markup-compatibility/2006" xmlns:p14="http://schemas.microsoft.com/office/powerpoint/2010/main">
+        <mc:Choice Requires="p14">
           <p:contentPart p14:bwMode="auto" r:id="rId2">
             <p14:nvContentPartPr>
               <p14:cNvPr id="5" name="墨迹 4">
@@ -11503,7 +11507,7 @@
             </p14:xfrm>
           </p:contentPart>
         </mc:Choice>
-        <mc:Fallback>
+        <mc:Fallback xmlns="">
           <p:pic>
             <p:nvPicPr>
               <p:cNvPr id="5" name="墨迹 4">
@@ -12370,8 +12374,8 @@
           </a:p>
         </p:txBody>
       </p:sp>
-      <mc:AlternateContent xmlns:mc="http://schemas.openxmlformats.org/markup-compatibility/2006">
-        <mc:Choice xmlns:p14="http://schemas.microsoft.com/office/powerpoint/2010/main" Requires="p14">
+      <mc:AlternateContent xmlns:mc="http://schemas.openxmlformats.org/markup-compatibility/2006" xmlns:p14="http://schemas.microsoft.com/office/powerpoint/2010/main">
+        <mc:Choice Requires="p14">
           <p:contentPart p14:bwMode="auto" r:id="rId2">
             <p14:nvContentPartPr>
               <p14:cNvPr id="5" name="墨迹 4">
@@ -12390,7 +12394,7 @@
             </p14:xfrm>
           </p:contentPart>
         </mc:Choice>
-        <mc:Fallback>
+        <mc:Fallback xmlns="">
           <p:pic>
             <p:nvPicPr>
               <p:cNvPr id="5" name="墨迹 4">
@@ -13257,8 +13261,8 @@
           </a:p>
         </p:txBody>
       </p:sp>
-      <mc:AlternateContent xmlns:mc="http://schemas.openxmlformats.org/markup-compatibility/2006">
-        <mc:Choice xmlns:p14="http://schemas.microsoft.com/office/powerpoint/2010/main" Requires="p14">
+      <mc:AlternateContent xmlns:mc="http://schemas.openxmlformats.org/markup-compatibility/2006" xmlns:p14="http://schemas.microsoft.com/office/powerpoint/2010/main">
+        <mc:Choice Requires="p14">
           <p:contentPart p14:bwMode="auto" r:id="rId2">
             <p14:nvContentPartPr>
               <p14:cNvPr id="5" name="墨迹 4">
@@ -13277,7 +13281,7 @@
             </p14:xfrm>
           </p:contentPart>
         </mc:Choice>
-        <mc:Fallback>
+        <mc:Fallback xmlns="">
           <p:pic>
             <p:nvPicPr>
               <p:cNvPr id="5" name="墨迹 4">
@@ -14280,8 +14284,8 @@
           </a:p>
         </p:txBody>
       </p:sp>
-      <mc:AlternateContent xmlns:mc="http://schemas.openxmlformats.org/markup-compatibility/2006">
-        <mc:Choice xmlns:p14="http://schemas.microsoft.com/office/powerpoint/2010/main" Requires="p14">
+      <mc:AlternateContent xmlns:mc="http://schemas.openxmlformats.org/markup-compatibility/2006" xmlns:p14="http://schemas.microsoft.com/office/powerpoint/2010/main">
+        <mc:Choice Requires="p14">
           <p:contentPart p14:bwMode="auto" r:id="rId2">
             <p14:nvContentPartPr>
               <p14:cNvPr id="5" name="墨迹 4">
@@ -14300,7 +14304,7 @@
             </p14:xfrm>
           </p:contentPart>
         </mc:Choice>
-        <mc:Fallback>
+        <mc:Fallback xmlns="">
           <p:pic>
             <p:nvPicPr>
               <p:cNvPr id="5" name="墨迹 4">
@@ -15280,8 +15284,8 @@
           </a:p>
         </p:txBody>
       </p:sp>
-      <mc:AlternateContent xmlns:mc="http://schemas.openxmlformats.org/markup-compatibility/2006">
-        <mc:Choice xmlns:p14="http://schemas.microsoft.com/office/powerpoint/2010/main" Requires="p14">
+      <mc:AlternateContent xmlns:mc="http://schemas.openxmlformats.org/markup-compatibility/2006" xmlns:p14="http://schemas.microsoft.com/office/powerpoint/2010/main">
+        <mc:Choice Requires="p14">
           <p:contentPart p14:bwMode="auto" r:id="rId2">
             <p14:nvContentPartPr>
               <p14:cNvPr id="5" name="墨迹 4">
@@ -15300,7 +15304,7 @@
             </p14:xfrm>
           </p:contentPart>
         </mc:Choice>
-        <mc:Fallback>
+        <mc:Fallback xmlns="">
           <p:pic>
             <p:nvPicPr>
               <p:cNvPr id="5" name="墨迹 4">
@@ -16196,8 +16200,8 @@
           </a:p>
         </p:txBody>
       </p:sp>
-      <mc:AlternateContent xmlns:mc="http://schemas.openxmlformats.org/markup-compatibility/2006">
-        <mc:Choice xmlns:p14="http://schemas.microsoft.com/office/powerpoint/2010/main" Requires="p14">
+      <mc:AlternateContent xmlns:mc="http://schemas.openxmlformats.org/markup-compatibility/2006" xmlns:p14="http://schemas.microsoft.com/office/powerpoint/2010/main">
+        <mc:Choice Requires="p14">
           <p:contentPart p14:bwMode="auto" r:id="rId2">
             <p14:nvContentPartPr>
               <p14:cNvPr id="5" name="墨迹 4">
@@ -16216,7 +16220,7 @@
             </p14:xfrm>
           </p:contentPart>
         </mc:Choice>
-        <mc:Fallback>
+        <mc:Fallback xmlns="">
           <p:pic>
             <p:nvPicPr>
               <p:cNvPr id="5" name="墨迹 4">
@@ -16803,8 +16807,8 @@
           </a:p>
         </p:txBody>
       </p:sp>
-      <mc:AlternateContent xmlns:mc="http://schemas.openxmlformats.org/markup-compatibility/2006">
-        <mc:Choice xmlns:p14="http://schemas.microsoft.com/office/powerpoint/2010/main" Requires="p14">
+      <mc:AlternateContent xmlns:mc="http://schemas.openxmlformats.org/markup-compatibility/2006" xmlns:p14="http://schemas.microsoft.com/office/powerpoint/2010/main">
+        <mc:Choice Requires="p14">
           <p:contentPart p14:bwMode="auto" r:id="rId2">
             <p14:nvContentPartPr>
               <p14:cNvPr id="5" name="墨迹 4">
@@ -16823,7 +16827,7 @@
             </p14:xfrm>
           </p:contentPart>
         </mc:Choice>
-        <mc:Fallback>
+        <mc:Fallback xmlns="">
           <p:pic>
             <p:nvPicPr>
               <p:cNvPr id="5" name="墨迹 4">
@@ -19587,137 +19591,6 @@
         <p:cNvPr id="1" name="">
           <a:extLst>
             <a:ext uri="{FF2B5EF4-FFF2-40B4-BE49-F238E27FC236}">
-              <a16:creationId xmlns:a16="http://schemas.microsoft.com/office/drawing/2014/main" id="{3E19F676-7322-8C96-51E6-49440D47D652}"/>
-            </a:ext>
-          </a:extLst>
-        </p:cNvPr>
-        <p:cNvGrpSpPr/>
-        <p:nvPr/>
-      </p:nvGrpSpPr>
-      <p:grpSpPr>
-        <a:xfrm>
-          <a:off x="0" y="0"/>
-          <a:ext cx="0" cy="0"/>
-          <a:chOff x="0" y="0"/>
-          <a:chExt cx="0" cy="0"/>
-        </a:xfrm>
-      </p:grpSpPr>
-      <p:sp>
-        <p:nvSpPr>
-          <p:cNvPr id="2" name="标题 1">
-            <a:extLst>
-              <a:ext uri="{FF2B5EF4-FFF2-40B4-BE49-F238E27FC236}">
-                <a16:creationId xmlns:a16="http://schemas.microsoft.com/office/drawing/2014/main" id="{C7878F9A-9A05-521B-7E2F-EAD215E5CD62}"/>
-              </a:ext>
-            </a:extLst>
-          </p:cNvPr>
-          <p:cNvSpPr>
-            <a:spLocks noGrp="1"/>
-          </p:cNvSpPr>
-          <p:nvPr>
-            <p:ph type="title"/>
-          </p:nvPr>
-        </p:nvSpPr>
-        <p:spPr/>
-        <p:txBody>
-          <a:bodyPr/>
-          <a:lstStyle/>
-          <a:p>
-            <a:r>
-              <a:rPr lang="zh-CN" altLang="en-US" dirty="0"/>
-              <a:t>设计实现</a:t>
-            </a:r>
-            <a:r>
-              <a:rPr lang="en-US" altLang="zh-CN" dirty="0"/>
-              <a:t>——</a:t>
-            </a:r>
-            <a:r>
-              <a:rPr lang="zh-CN" altLang="en-US" dirty="0"/>
-              <a:t>模块细节</a:t>
-            </a:r>
-          </a:p>
-        </p:txBody>
-      </p:sp>
-      <p:pic>
-        <p:nvPicPr>
-          <p:cNvPr id="8" name="内容占位符 7">
-            <a:extLst>
-              <a:ext uri="{FF2B5EF4-FFF2-40B4-BE49-F238E27FC236}">
-                <a16:creationId xmlns:a16="http://schemas.microsoft.com/office/drawing/2014/main" id="{7E3FB4AA-2CF3-4EEA-F8F9-D6F4D52E63AD}"/>
-              </a:ext>
-            </a:extLst>
-          </p:cNvPr>
-          <p:cNvPicPr>
-            <a:picLocks noGrp="1" noChangeAspect="1"/>
-          </p:cNvPicPr>
-          <p:nvPr>
-            <p:ph idx="1"/>
-          </p:nvPr>
-        </p:nvPicPr>
-        <p:blipFill>
-          <a:blip r:embed="rId2"/>
-          <a:stretch>
-            <a:fillRect/>
-          </a:stretch>
-        </p:blipFill>
-        <p:spPr>
-          <a:xfrm>
-            <a:off x="1353457" y="1465718"/>
-            <a:ext cx="9227457" cy="1908854"/>
-          </a:xfrm>
-        </p:spPr>
-      </p:pic>
-      <p:pic>
-        <p:nvPicPr>
-          <p:cNvPr id="10" name="图片 9">
-            <a:extLst>
-              <a:ext uri="{FF2B5EF4-FFF2-40B4-BE49-F238E27FC236}">
-                <a16:creationId xmlns:a16="http://schemas.microsoft.com/office/drawing/2014/main" id="{7991E5CA-D75E-B239-B21E-F0C5B9C10706}"/>
-              </a:ext>
-            </a:extLst>
-          </p:cNvPr>
-          <p:cNvPicPr>
-            <a:picLocks noChangeAspect="1"/>
-          </p:cNvPicPr>
-          <p:nvPr/>
-        </p:nvPicPr>
-        <p:blipFill>
-          <a:blip r:embed="rId3"/>
-          <a:stretch>
-            <a:fillRect/>
-          </a:stretch>
-        </p:blipFill>
-        <p:spPr>
-          <a:xfrm>
-            <a:off x="1400367" y="3565254"/>
-            <a:ext cx="9180547" cy="3633832"/>
-          </a:xfrm>
-          <a:prstGeom prst="rect">
-            <a:avLst/>
-          </a:prstGeom>
-        </p:spPr>
-      </p:pic>
-    </p:spTree>
-    <p:extLst>
-      <p:ext uri="{BB962C8B-B14F-4D97-AF65-F5344CB8AC3E}">
-        <p14:creationId xmlns:p14="http://schemas.microsoft.com/office/powerpoint/2010/main" val="3478124663"/>
-      </p:ext>
-    </p:extLst>
-  </p:cSld>
-  <p:clrMapOvr>
-    <a:masterClrMapping/>
-  </p:clrMapOvr>
-</p:sld>
-</file>
-
-<file path=ppt/slides/slide44.xml><?xml version="1.0" encoding="utf-8"?>
-<p:sld xmlns:a="http://schemas.openxmlformats.org/drawingml/2006/main" xmlns:r="http://schemas.openxmlformats.org/officeDocument/2006/relationships" xmlns:p="http://schemas.openxmlformats.org/presentationml/2006/main">
-  <p:cSld>
-    <p:spTree>
-      <p:nvGrpSpPr>
-        <p:cNvPr id="1" name="">
-          <a:extLst>
-            <a:ext uri="{FF2B5EF4-FFF2-40B4-BE49-F238E27FC236}">
               <a16:creationId xmlns:a16="http://schemas.microsoft.com/office/drawing/2014/main" id="{B74CAB7F-8181-2D1D-1287-B308F4C2C6C0}"/>
             </a:ext>
           </a:extLst>
@@ -19898,7 +19771,7 @@
 </p:sld>
 </file>
 
-<file path=ppt/slides/slide45.xml><?xml version="1.0" encoding="utf-8"?>
+<file path=ppt/slides/slide44.xml><?xml version="1.0" encoding="utf-8"?>
 <p:sld xmlns:a="http://schemas.openxmlformats.org/drawingml/2006/main" xmlns:r="http://schemas.openxmlformats.org/officeDocument/2006/relationships" xmlns:p="http://schemas.openxmlformats.org/presentationml/2006/main">
   <p:cSld>
     <p:spTree>
@@ -20050,7 +19923,7 @@
 </p:sld>
 </file>
 
-<file path=ppt/slides/slide46.xml><?xml version="1.0" encoding="utf-8"?>
+<file path=ppt/slides/slide45.xml><?xml version="1.0" encoding="utf-8"?>
 <p:sld xmlns:a="http://schemas.openxmlformats.org/drawingml/2006/main" xmlns:r="http://schemas.openxmlformats.org/officeDocument/2006/relationships" xmlns:p="http://schemas.openxmlformats.org/presentationml/2006/main">
   <p:cSld>
     <p:spTree>
